--- a/Презентация к проекту 2.pptx
+++ b/Презентация к проекту 2.pptx
@@ -13,11 +13,6 @@
     <p:sldId id="258" r:id="rId8"/>
     <p:sldId id="259" r:id="rId9"/>
     <p:sldId id="260" r:id="rId10"/>
-    <p:sldId id="261" r:id="rId11"/>
-    <p:sldId id="262" r:id="rId12"/>
-    <p:sldId id="263" r:id="rId13"/>
-    <p:sldId id="264" r:id="rId14"/>
-    <p:sldId id="265" r:id="rId15"/>
   </p:sldIdLst>
   <p:sldSz cy="5143500" cx="9144000"/>
   <p:notesSz cx="6858000" cy="9144000"/>
@@ -266,7 +261,7 @@
       </p15:sldGuideLst>
     </p:ext>
     <p:ext uri="http://customooxmlschemas.google.com/">
-      <go:slidesCustomData xmlns:go="http://customooxmlschemas.google.com/" r:id="rId16" roundtripDataSignature="AMtx7mgJfOgSJ9a7Im8q+kzwcAxTQ6cS9A=="/>
+      <go:slidesCustomData xmlns:go="http://customooxmlschemas.google.com/" r:id="rId11" roundtripDataSignature="AMtx7mgb33rQKAhrLbu+h8qRiZXW2DLFCA=="/>
     </p:ext>
   </p:extLst>
 </p:presentation>
@@ -950,123 +945,6 @@
 </p:notes>
 </file>
 
-<file path=ppt/notesSlides/notesSlide10.xml><?xml version="1.0" encoding="utf-8"?>
-<p:notes xmlns:a="http://schemas.openxmlformats.org/drawingml/2006/main" xmlns:r="http://schemas.openxmlformats.org/officeDocument/2006/relationships" xmlns:mc="http://schemas.openxmlformats.org/markup-compatibility/2006" xmlns:mv="urn:schemas-microsoft-com:mac:vml" xmlns:p="http://schemas.openxmlformats.org/presentationml/2006/main" xmlns:c="http://schemas.openxmlformats.org/drawingml/2006/chart" xmlns:dgm="http://schemas.openxmlformats.org/drawingml/2006/diagram" xmlns:o="urn:schemas-microsoft-com:office:office" xmlns:v="urn:schemas-microsoft-com:vml" xmlns:pvml="urn:schemas-microsoft-com:office:powerpoint" xmlns:com="http://schemas.openxmlformats.org/drawingml/2006/compatibility" xmlns:p14="http://schemas.microsoft.com/office/powerpoint/2010/main" xmlns:p15="http://schemas.microsoft.com/office/powerpoint/2012/main" xmlns:ahyp="http://schemas.microsoft.com/office/drawing/2018/hyperlinkcolor" showMasterPhAnim="0" showMasterSp="0">
-  <p:cSld>
-    <p:spTree>
-      <p:nvGrpSpPr>
-        <p:cNvPr id="112" name="Shape 112"/>
-        <p:cNvGrpSpPr/>
-        <p:nvPr/>
-      </p:nvGrpSpPr>
-      <p:grpSpPr>
-        <a:xfrm>
-          <a:off x="0" y="0"/>
-          <a:ext cx="0" cy="0"/>
-          <a:chOff x="0" y="0"/>
-          <a:chExt cx="0" cy="0"/>
-        </a:xfrm>
-      </p:grpSpPr>
-      <p:sp>
-        <p:nvSpPr>
-          <p:cNvPr id="113" name="Google Shape;113;p11:notes"/>
-          <p:cNvSpPr/>
-          <p:nvPr>
-            <p:ph idx="2" type="sldImg"/>
-          </p:nvPr>
-        </p:nvSpPr>
-        <p:spPr>
-          <a:xfrm>
-            <a:off x="381300" y="685800"/>
-            <a:ext cx="6096000" cy="3429000"/>
-          </a:xfrm>
-          <a:custGeom>
-            <a:rect b="b" l="l" r="r" t="t"/>
-            <a:pathLst>
-              <a:path extrusionOk="0" h="120000" w="120000">
-                <a:moveTo>
-                  <a:pt x="0" y="0"/>
-                </a:moveTo>
-                <a:lnTo>
-                  <a:pt x="120000" y="0"/>
-                </a:lnTo>
-                <a:lnTo>
-                  <a:pt x="120000" y="120000"/>
-                </a:lnTo>
-                <a:lnTo>
-                  <a:pt x="0" y="120000"/>
-                </a:lnTo>
-                <a:close/>
-              </a:path>
-            </a:pathLst>
-          </a:custGeom>
-          <a:noFill/>
-          <a:ln cap="flat" cmpd="sng" w="9525">
-            <a:solidFill>
-              <a:srgbClr val="000000"/>
-            </a:solidFill>
-            <a:prstDash val="solid"/>
-            <a:round/>
-            <a:headEnd len="sm" w="sm" type="none"/>
-            <a:tailEnd len="sm" w="sm" type="none"/>
-          </a:ln>
-        </p:spPr>
-      </p:sp>
-      <p:sp>
-        <p:nvSpPr>
-          <p:cNvPr id="114" name="Google Shape;114;p11:notes"/>
-          <p:cNvSpPr txBox="1"/>
-          <p:nvPr>
-            <p:ph idx="1" type="body"/>
-          </p:nvPr>
-        </p:nvSpPr>
-        <p:spPr>
-          <a:xfrm>
-            <a:off x="685800" y="4343400"/>
-            <a:ext cx="5486400" cy="4114800"/>
-          </a:xfrm>
-          <a:prstGeom prst="rect">
-            <a:avLst/>
-          </a:prstGeom>
-          <a:noFill/>
-          <a:ln>
-            <a:noFill/>
-          </a:ln>
-        </p:spPr>
-        <p:txBody>
-          <a:bodyPr anchorCtr="0" anchor="t" bIns="91425" lIns="91425" spcFirstLastPara="1" rIns="91425" wrap="square" tIns="91425">
-            <a:noAutofit/>
-          </a:bodyPr>
-          <a:lstStyle/>
-          <a:p>
-            <a:pPr indent="0" lvl="0" marL="0" rtl="0" algn="l">
-              <a:lnSpc>
-                <a:spcPct val="100000"/>
-              </a:lnSpc>
-              <a:spcBef>
-                <a:spcPts val="0"/>
-              </a:spcBef>
-              <a:spcAft>
-                <a:spcPts val="0"/>
-              </a:spcAft>
-              <a:buSzPts val="1100"/>
-              <a:buNone/>
-            </a:pPr>
-            <a:r>
-              <a:t/>
-            </a:r>
-            <a:endParaRPr/>
-          </a:p>
-        </p:txBody>
-      </p:sp>
-    </p:spTree>
-  </p:cSld>
-  <p:clrMapOvr>
-    <a:masterClrMapping/>
-  </p:clrMapOvr>
-</p:notes>
-</file>
-
 <file path=ppt/notesSlides/notesSlide2.xml><?xml version="1.0" encoding="utf-8"?>
 <p:notes xmlns:a="http://schemas.openxmlformats.org/drawingml/2006/main" xmlns:r="http://schemas.openxmlformats.org/officeDocument/2006/relationships" xmlns:mc="http://schemas.openxmlformats.org/markup-compatibility/2006" xmlns:mv="urn:schemas-microsoft-com:mac:vml" xmlns:p="http://schemas.openxmlformats.org/presentationml/2006/main" xmlns:c="http://schemas.openxmlformats.org/drawingml/2006/chart" xmlns:dgm="http://schemas.openxmlformats.org/drawingml/2006/diagram" xmlns:o="urn:schemas-microsoft-com:office:office" xmlns:v="urn:schemas-microsoft-com:vml" xmlns:pvml="urn:schemas-microsoft-com:office:powerpoint" xmlns:com="http://schemas.openxmlformats.org/drawingml/2006/compatibility" xmlns:p14="http://schemas.microsoft.com/office/powerpoint/2010/main" xmlns:p15="http://schemas.microsoft.com/office/powerpoint/2012/main" xmlns:ahyp="http://schemas.microsoft.com/office/drawing/2018/hyperlinkcolor" showMasterPhAnim="0" showMasterSp="0">
   <p:cSld>
@@ -1423,7 +1301,7 @@
   <p:cSld>
     <p:spTree>
       <p:nvGrpSpPr>
-        <p:cNvPr id="82" name="Shape 82"/>
+        <p:cNvPr id="83" name="Shape 83"/>
         <p:cNvGrpSpPr/>
         <p:nvPr/>
       </p:nvGrpSpPr>
@@ -1437,7 +1315,7 @@
       </p:grpSpPr>
       <p:sp>
         <p:nvSpPr>
-          <p:cNvPr id="83" name="Google Shape;83;p6:notes"/>
+          <p:cNvPr id="84" name="Google Shape;84;p11:notes"/>
           <p:cNvSpPr/>
           <p:nvPr>
             <p:ph idx="2" type="sldImg"/>
@@ -1482,475 +1360,7 @@
       </p:sp>
       <p:sp>
         <p:nvSpPr>
-          <p:cNvPr id="84" name="Google Shape;84;p6:notes"/>
-          <p:cNvSpPr txBox="1"/>
-          <p:nvPr>
-            <p:ph idx="1" type="body"/>
-          </p:nvPr>
-        </p:nvSpPr>
-        <p:spPr>
-          <a:xfrm>
-            <a:off x="685800" y="4343400"/>
-            <a:ext cx="5486400" cy="4114800"/>
-          </a:xfrm>
-          <a:prstGeom prst="rect">
-            <a:avLst/>
-          </a:prstGeom>
-          <a:noFill/>
-          <a:ln>
-            <a:noFill/>
-          </a:ln>
-        </p:spPr>
-        <p:txBody>
-          <a:bodyPr anchorCtr="0" anchor="t" bIns="91425" lIns="91425" spcFirstLastPara="1" rIns="91425" wrap="square" tIns="91425">
-            <a:noAutofit/>
-          </a:bodyPr>
-          <a:lstStyle/>
-          <a:p>
-            <a:pPr indent="0" lvl="0" marL="0" rtl="0" algn="l">
-              <a:lnSpc>
-                <a:spcPct val="100000"/>
-              </a:lnSpc>
-              <a:spcBef>
-                <a:spcPts val="0"/>
-              </a:spcBef>
-              <a:spcAft>
-                <a:spcPts val="0"/>
-              </a:spcAft>
-              <a:buSzPts val="1100"/>
-              <a:buNone/>
-            </a:pPr>
-            <a:r>
-              <a:t/>
-            </a:r>
-            <a:endParaRPr/>
-          </a:p>
-        </p:txBody>
-      </p:sp>
-    </p:spTree>
-  </p:cSld>
-  <p:clrMapOvr>
-    <a:masterClrMapping/>
-  </p:clrMapOvr>
-</p:notes>
-</file>
-
-<file path=ppt/notesSlides/notesSlide6.xml><?xml version="1.0" encoding="utf-8"?>
-<p:notes xmlns:a="http://schemas.openxmlformats.org/drawingml/2006/main" xmlns:r="http://schemas.openxmlformats.org/officeDocument/2006/relationships" xmlns:mc="http://schemas.openxmlformats.org/markup-compatibility/2006" xmlns:mv="urn:schemas-microsoft-com:mac:vml" xmlns:p="http://schemas.openxmlformats.org/presentationml/2006/main" xmlns:c="http://schemas.openxmlformats.org/drawingml/2006/chart" xmlns:dgm="http://schemas.openxmlformats.org/drawingml/2006/diagram" xmlns:o="urn:schemas-microsoft-com:office:office" xmlns:v="urn:schemas-microsoft-com:vml" xmlns:pvml="urn:schemas-microsoft-com:office:powerpoint" xmlns:com="http://schemas.openxmlformats.org/drawingml/2006/compatibility" xmlns:p14="http://schemas.microsoft.com/office/powerpoint/2010/main" xmlns:p15="http://schemas.microsoft.com/office/powerpoint/2012/main" xmlns:ahyp="http://schemas.microsoft.com/office/drawing/2018/hyperlinkcolor" showMasterPhAnim="0" showMasterSp="0">
-  <p:cSld>
-    <p:spTree>
-      <p:nvGrpSpPr>
-        <p:cNvPr id="88" name="Shape 88"/>
-        <p:cNvGrpSpPr/>
-        <p:nvPr/>
-      </p:nvGrpSpPr>
-      <p:grpSpPr>
-        <a:xfrm>
-          <a:off x="0" y="0"/>
-          <a:ext cx="0" cy="0"/>
-          <a:chOff x="0" y="0"/>
-          <a:chExt cx="0" cy="0"/>
-        </a:xfrm>
-      </p:grpSpPr>
-      <p:sp>
-        <p:nvSpPr>
-          <p:cNvPr id="89" name="Google Shape;89;p7:notes"/>
-          <p:cNvSpPr/>
-          <p:nvPr>
-            <p:ph idx="2" type="sldImg"/>
-          </p:nvPr>
-        </p:nvSpPr>
-        <p:spPr>
-          <a:xfrm>
-            <a:off x="381300" y="685800"/>
-            <a:ext cx="6096000" cy="3429000"/>
-          </a:xfrm>
-          <a:custGeom>
-            <a:rect b="b" l="l" r="r" t="t"/>
-            <a:pathLst>
-              <a:path extrusionOk="0" h="120000" w="120000">
-                <a:moveTo>
-                  <a:pt x="0" y="0"/>
-                </a:moveTo>
-                <a:lnTo>
-                  <a:pt x="120000" y="0"/>
-                </a:lnTo>
-                <a:lnTo>
-                  <a:pt x="120000" y="120000"/>
-                </a:lnTo>
-                <a:lnTo>
-                  <a:pt x="0" y="120000"/>
-                </a:lnTo>
-                <a:close/>
-              </a:path>
-            </a:pathLst>
-          </a:custGeom>
-          <a:noFill/>
-          <a:ln cap="flat" cmpd="sng" w="9525">
-            <a:solidFill>
-              <a:srgbClr val="000000"/>
-            </a:solidFill>
-            <a:prstDash val="solid"/>
-            <a:round/>
-            <a:headEnd len="sm" w="sm" type="none"/>
-            <a:tailEnd len="sm" w="sm" type="none"/>
-          </a:ln>
-        </p:spPr>
-      </p:sp>
-      <p:sp>
-        <p:nvSpPr>
-          <p:cNvPr id="90" name="Google Shape;90;p7:notes"/>
-          <p:cNvSpPr txBox="1"/>
-          <p:nvPr>
-            <p:ph idx="1" type="body"/>
-          </p:nvPr>
-        </p:nvSpPr>
-        <p:spPr>
-          <a:xfrm>
-            <a:off x="685800" y="4343400"/>
-            <a:ext cx="5486400" cy="4114800"/>
-          </a:xfrm>
-          <a:prstGeom prst="rect">
-            <a:avLst/>
-          </a:prstGeom>
-          <a:noFill/>
-          <a:ln>
-            <a:noFill/>
-          </a:ln>
-        </p:spPr>
-        <p:txBody>
-          <a:bodyPr anchorCtr="0" anchor="t" bIns="91425" lIns="91425" spcFirstLastPara="1" rIns="91425" wrap="square" tIns="91425">
-            <a:noAutofit/>
-          </a:bodyPr>
-          <a:lstStyle/>
-          <a:p>
-            <a:pPr indent="0" lvl="0" marL="0" rtl="0" algn="l">
-              <a:lnSpc>
-                <a:spcPct val="100000"/>
-              </a:lnSpc>
-              <a:spcBef>
-                <a:spcPts val="0"/>
-              </a:spcBef>
-              <a:spcAft>
-                <a:spcPts val="0"/>
-              </a:spcAft>
-              <a:buSzPts val="1100"/>
-              <a:buNone/>
-            </a:pPr>
-            <a:r>
-              <a:t/>
-            </a:r>
-            <a:endParaRPr/>
-          </a:p>
-        </p:txBody>
-      </p:sp>
-    </p:spTree>
-  </p:cSld>
-  <p:clrMapOvr>
-    <a:masterClrMapping/>
-  </p:clrMapOvr>
-</p:notes>
-</file>
-
-<file path=ppt/notesSlides/notesSlide7.xml><?xml version="1.0" encoding="utf-8"?>
-<p:notes xmlns:a="http://schemas.openxmlformats.org/drawingml/2006/main" xmlns:r="http://schemas.openxmlformats.org/officeDocument/2006/relationships" xmlns:mc="http://schemas.openxmlformats.org/markup-compatibility/2006" xmlns:mv="urn:schemas-microsoft-com:mac:vml" xmlns:p="http://schemas.openxmlformats.org/presentationml/2006/main" xmlns:c="http://schemas.openxmlformats.org/drawingml/2006/chart" xmlns:dgm="http://schemas.openxmlformats.org/drawingml/2006/diagram" xmlns:o="urn:schemas-microsoft-com:office:office" xmlns:v="urn:schemas-microsoft-com:vml" xmlns:pvml="urn:schemas-microsoft-com:office:powerpoint" xmlns:com="http://schemas.openxmlformats.org/drawingml/2006/compatibility" xmlns:p14="http://schemas.microsoft.com/office/powerpoint/2010/main" xmlns:p15="http://schemas.microsoft.com/office/powerpoint/2012/main" xmlns:ahyp="http://schemas.microsoft.com/office/drawing/2018/hyperlinkcolor" showMasterPhAnim="0" showMasterSp="0">
-  <p:cSld>
-    <p:spTree>
-      <p:nvGrpSpPr>
-        <p:cNvPr id="94" name="Shape 94"/>
-        <p:cNvGrpSpPr/>
-        <p:nvPr/>
-      </p:nvGrpSpPr>
-      <p:grpSpPr>
-        <a:xfrm>
-          <a:off x="0" y="0"/>
-          <a:ext cx="0" cy="0"/>
-          <a:chOff x="0" y="0"/>
-          <a:chExt cx="0" cy="0"/>
-        </a:xfrm>
-      </p:grpSpPr>
-      <p:sp>
-        <p:nvSpPr>
-          <p:cNvPr id="95" name="Google Shape;95;p8:notes"/>
-          <p:cNvSpPr/>
-          <p:nvPr>
-            <p:ph idx="2" type="sldImg"/>
-          </p:nvPr>
-        </p:nvSpPr>
-        <p:spPr>
-          <a:xfrm>
-            <a:off x="381300" y="685800"/>
-            <a:ext cx="6096000" cy="3429000"/>
-          </a:xfrm>
-          <a:custGeom>
-            <a:rect b="b" l="l" r="r" t="t"/>
-            <a:pathLst>
-              <a:path extrusionOk="0" h="120000" w="120000">
-                <a:moveTo>
-                  <a:pt x="0" y="0"/>
-                </a:moveTo>
-                <a:lnTo>
-                  <a:pt x="120000" y="0"/>
-                </a:lnTo>
-                <a:lnTo>
-                  <a:pt x="120000" y="120000"/>
-                </a:lnTo>
-                <a:lnTo>
-                  <a:pt x="0" y="120000"/>
-                </a:lnTo>
-                <a:close/>
-              </a:path>
-            </a:pathLst>
-          </a:custGeom>
-          <a:noFill/>
-          <a:ln cap="flat" cmpd="sng" w="9525">
-            <a:solidFill>
-              <a:srgbClr val="000000"/>
-            </a:solidFill>
-            <a:prstDash val="solid"/>
-            <a:round/>
-            <a:headEnd len="sm" w="sm" type="none"/>
-            <a:tailEnd len="sm" w="sm" type="none"/>
-          </a:ln>
-        </p:spPr>
-      </p:sp>
-      <p:sp>
-        <p:nvSpPr>
-          <p:cNvPr id="96" name="Google Shape;96;p8:notes"/>
-          <p:cNvSpPr txBox="1"/>
-          <p:nvPr>
-            <p:ph idx="1" type="body"/>
-          </p:nvPr>
-        </p:nvSpPr>
-        <p:spPr>
-          <a:xfrm>
-            <a:off x="685800" y="4343400"/>
-            <a:ext cx="5486400" cy="4114800"/>
-          </a:xfrm>
-          <a:prstGeom prst="rect">
-            <a:avLst/>
-          </a:prstGeom>
-          <a:noFill/>
-          <a:ln>
-            <a:noFill/>
-          </a:ln>
-        </p:spPr>
-        <p:txBody>
-          <a:bodyPr anchorCtr="0" anchor="t" bIns="91425" lIns="91425" spcFirstLastPara="1" rIns="91425" wrap="square" tIns="91425">
-            <a:noAutofit/>
-          </a:bodyPr>
-          <a:lstStyle/>
-          <a:p>
-            <a:pPr indent="0" lvl="0" marL="0" rtl="0" algn="l">
-              <a:lnSpc>
-                <a:spcPct val="100000"/>
-              </a:lnSpc>
-              <a:spcBef>
-                <a:spcPts val="0"/>
-              </a:spcBef>
-              <a:spcAft>
-                <a:spcPts val="0"/>
-              </a:spcAft>
-              <a:buSzPts val="1100"/>
-              <a:buNone/>
-            </a:pPr>
-            <a:r>
-              <a:t/>
-            </a:r>
-            <a:endParaRPr/>
-          </a:p>
-        </p:txBody>
-      </p:sp>
-    </p:spTree>
-  </p:cSld>
-  <p:clrMapOvr>
-    <a:masterClrMapping/>
-  </p:clrMapOvr>
-</p:notes>
-</file>
-
-<file path=ppt/notesSlides/notesSlide8.xml><?xml version="1.0" encoding="utf-8"?>
-<p:notes xmlns:a="http://schemas.openxmlformats.org/drawingml/2006/main" xmlns:r="http://schemas.openxmlformats.org/officeDocument/2006/relationships" xmlns:mc="http://schemas.openxmlformats.org/markup-compatibility/2006" xmlns:mv="urn:schemas-microsoft-com:mac:vml" xmlns:p="http://schemas.openxmlformats.org/presentationml/2006/main" xmlns:c="http://schemas.openxmlformats.org/drawingml/2006/chart" xmlns:dgm="http://schemas.openxmlformats.org/drawingml/2006/diagram" xmlns:o="urn:schemas-microsoft-com:office:office" xmlns:v="urn:schemas-microsoft-com:vml" xmlns:pvml="urn:schemas-microsoft-com:office:powerpoint" xmlns:com="http://schemas.openxmlformats.org/drawingml/2006/compatibility" xmlns:p14="http://schemas.microsoft.com/office/powerpoint/2010/main" xmlns:p15="http://schemas.microsoft.com/office/powerpoint/2012/main" xmlns:ahyp="http://schemas.microsoft.com/office/drawing/2018/hyperlinkcolor" showMasterPhAnim="0" showMasterSp="0">
-  <p:cSld>
-    <p:spTree>
-      <p:nvGrpSpPr>
-        <p:cNvPr id="100" name="Shape 100"/>
-        <p:cNvGrpSpPr/>
-        <p:nvPr/>
-      </p:nvGrpSpPr>
-      <p:grpSpPr>
-        <a:xfrm>
-          <a:off x="0" y="0"/>
-          <a:ext cx="0" cy="0"/>
-          <a:chOff x="0" y="0"/>
-          <a:chExt cx="0" cy="0"/>
-        </a:xfrm>
-      </p:grpSpPr>
-      <p:sp>
-        <p:nvSpPr>
-          <p:cNvPr id="101" name="Google Shape;101;p9:notes"/>
-          <p:cNvSpPr/>
-          <p:nvPr>
-            <p:ph idx="2" type="sldImg"/>
-          </p:nvPr>
-        </p:nvSpPr>
-        <p:spPr>
-          <a:xfrm>
-            <a:off x="381300" y="685800"/>
-            <a:ext cx="6096000" cy="3429000"/>
-          </a:xfrm>
-          <a:custGeom>
-            <a:rect b="b" l="l" r="r" t="t"/>
-            <a:pathLst>
-              <a:path extrusionOk="0" h="120000" w="120000">
-                <a:moveTo>
-                  <a:pt x="0" y="0"/>
-                </a:moveTo>
-                <a:lnTo>
-                  <a:pt x="120000" y="0"/>
-                </a:lnTo>
-                <a:lnTo>
-                  <a:pt x="120000" y="120000"/>
-                </a:lnTo>
-                <a:lnTo>
-                  <a:pt x="0" y="120000"/>
-                </a:lnTo>
-                <a:close/>
-              </a:path>
-            </a:pathLst>
-          </a:custGeom>
-          <a:noFill/>
-          <a:ln cap="flat" cmpd="sng" w="9525">
-            <a:solidFill>
-              <a:srgbClr val="000000"/>
-            </a:solidFill>
-            <a:prstDash val="solid"/>
-            <a:round/>
-            <a:headEnd len="sm" w="sm" type="none"/>
-            <a:tailEnd len="sm" w="sm" type="none"/>
-          </a:ln>
-        </p:spPr>
-      </p:sp>
-      <p:sp>
-        <p:nvSpPr>
-          <p:cNvPr id="102" name="Google Shape;102;p9:notes"/>
-          <p:cNvSpPr txBox="1"/>
-          <p:nvPr>
-            <p:ph idx="1" type="body"/>
-          </p:nvPr>
-        </p:nvSpPr>
-        <p:spPr>
-          <a:xfrm>
-            <a:off x="685800" y="4343400"/>
-            <a:ext cx="5486400" cy="4114800"/>
-          </a:xfrm>
-          <a:prstGeom prst="rect">
-            <a:avLst/>
-          </a:prstGeom>
-          <a:noFill/>
-          <a:ln>
-            <a:noFill/>
-          </a:ln>
-        </p:spPr>
-        <p:txBody>
-          <a:bodyPr anchorCtr="0" anchor="t" bIns="91425" lIns="91425" spcFirstLastPara="1" rIns="91425" wrap="square" tIns="91425">
-            <a:noAutofit/>
-          </a:bodyPr>
-          <a:lstStyle/>
-          <a:p>
-            <a:pPr indent="0" lvl="0" marL="0" rtl="0" algn="l">
-              <a:lnSpc>
-                <a:spcPct val="100000"/>
-              </a:lnSpc>
-              <a:spcBef>
-                <a:spcPts val="0"/>
-              </a:spcBef>
-              <a:spcAft>
-                <a:spcPts val="0"/>
-              </a:spcAft>
-              <a:buSzPts val="1100"/>
-              <a:buNone/>
-            </a:pPr>
-            <a:r>
-              <a:t/>
-            </a:r>
-            <a:endParaRPr/>
-          </a:p>
-        </p:txBody>
-      </p:sp>
-    </p:spTree>
-  </p:cSld>
-  <p:clrMapOvr>
-    <a:masterClrMapping/>
-  </p:clrMapOvr>
-</p:notes>
-</file>
-
-<file path=ppt/notesSlides/notesSlide9.xml><?xml version="1.0" encoding="utf-8"?>
-<p:notes xmlns:a="http://schemas.openxmlformats.org/drawingml/2006/main" xmlns:r="http://schemas.openxmlformats.org/officeDocument/2006/relationships" xmlns:mc="http://schemas.openxmlformats.org/markup-compatibility/2006" xmlns:mv="urn:schemas-microsoft-com:mac:vml" xmlns:p="http://schemas.openxmlformats.org/presentationml/2006/main" xmlns:c="http://schemas.openxmlformats.org/drawingml/2006/chart" xmlns:dgm="http://schemas.openxmlformats.org/drawingml/2006/diagram" xmlns:o="urn:schemas-microsoft-com:office:office" xmlns:v="urn:schemas-microsoft-com:vml" xmlns:pvml="urn:schemas-microsoft-com:office:powerpoint" xmlns:com="http://schemas.openxmlformats.org/drawingml/2006/compatibility" xmlns:p14="http://schemas.microsoft.com/office/powerpoint/2010/main" xmlns:p15="http://schemas.microsoft.com/office/powerpoint/2012/main" xmlns:ahyp="http://schemas.microsoft.com/office/drawing/2018/hyperlinkcolor" showMasterPhAnim="0" showMasterSp="0">
-  <p:cSld>
-    <p:spTree>
-      <p:nvGrpSpPr>
-        <p:cNvPr id="106" name="Shape 106"/>
-        <p:cNvGrpSpPr/>
-        <p:nvPr/>
-      </p:nvGrpSpPr>
-      <p:grpSpPr>
-        <a:xfrm>
-          <a:off x="0" y="0"/>
-          <a:ext cx="0" cy="0"/>
-          <a:chOff x="0" y="0"/>
-          <a:chExt cx="0" cy="0"/>
-        </a:xfrm>
-      </p:grpSpPr>
-      <p:sp>
-        <p:nvSpPr>
-          <p:cNvPr id="107" name="Google Shape;107;p10:notes"/>
-          <p:cNvSpPr/>
-          <p:nvPr>
-            <p:ph idx="2" type="sldImg"/>
-          </p:nvPr>
-        </p:nvSpPr>
-        <p:spPr>
-          <a:xfrm>
-            <a:off x="381300" y="685800"/>
-            <a:ext cx="6096000" cy="3429000"/>
-          </a:xfrm>
-          <a:custGeom>
-            <a:rect b="b" l="l" r="r" t="t"/>
-            <a:pathLst>
-              <a:path extrusionOk="0" h="120000" w="120000">
-                <a:moveTo>
-                  <a:pt x="0" y="0"/>
-                </a:moveTo>
-                <a:lnTo>
-                  <a:pt x="120000" y="0"/>
-                </a:lnTo>
-                <a:lnTo>
-                  <a:pt x="120000" y="120000"/>
-                </a:lnTo>
-                <a:lnTo>
-                  <a:pt x="0" y="120000"/>
-                </a:lnTo>
-                <a:close/>
-              </a:path>
-            </a:pathLst>
-          </a:custGeom>
-          <a:noFill/>
-          <a:ln cap="flat" cmpd="sng" w="9525">
-            <a:solidFill>
-              <a:srgbClr val="000000"/>
-            </a:solidFill>
-            <a:prstDash val="solid"/>
-            <a:round/>
-            <a:headEnd len="sm" w="sm" type="none"/>
-            <a:tailEnd len="sm" w="sm" type="none"/>
-          </a:ln>
-        </p:spPr>
-      </p:sp>
-      <p:sp>
-        <p:nvSpPr>
-          <p:cNvPr id="108" name="Google Shape;108;p10:notes"/>
+          <p:cNvPr id="85" name="Google Shape;85;p11:notes"/>
           <p:cNvSpPr txBox="1"/>
           <p:nvPr>
             <p:ph idx="1" type="body"/>
@@ -9817,95 +9227,6 @@
 </p:sld>
 </file>
 
-<file path=ppt/slides/slide10.xml><?xml version="1.0" encoding="utf-8"?>
-<p:sld xmlns:a="http://schemas.openxmlformats.org/drawingml/2006/main" xmlns:r="http://schemas.openxmlformats.org/officeDocument/2006/relationships" xmlns:mc="http://schemas.openxmlformats.org/markup-compatibility/2006" xmlns:mv="urn:schemas-microsoft-com:mac:vml" xmlns:p="http://schemas.openxmlformats.org/presentationml/2006/main" xmlns:c="http://schemas.openxmlformats.org/drawingml/2006/chart" xmlns:dgm="http://schemas.openxmlformats.org/drawingml/2006/diagram" xmlns:o="urn:schemas-microsoft-com:office:office" xmlns:v="urn:schemas-microsoft-com:vml" xmlns:pvml="urn:schemas-microsoft-com:office:powerpoint" xmlns:com="http://schemas.openxmlformats.org/drawingml/2006/compatibility" xmlns:p14="http://schemas.microsoft.com/office/powerpoint/2010/main" xmlns:p15="http://schemas.microsoft.com/office/powerpoint/2012/main" xmlns:ahyp="http://schemas.microsoft.com/office/drawing/2018/hyperlinkcolor">
-  <p:cSld>
-    <p:spTree>
-      <p:nvGrpSpPr>
-        <p:cNvPr id="115" name="Shape 115"/>
-        <p:cNvGrpSpPr/>
-        <p:nvPr/>
-      </p:nvGrpSpPr>
-      <p:grpSpPr>
-        <a:xfrm>
-          <a:off x="0" y="0"/>
-          <a:ext cx="0" cy="0"/>
-          <a:chOff x="0" y="0"/>
-          <a:chExt cx="0" cy="0"/>
-        </a:xfrm>
-      </p:grpSpPr>
-      <p:sp>
-        <p:nvSpPr>
-          <p:cNvPr id="116" name="Google Shape;116;p11"/>
-          <p:cNvSpPr txBox="1"/>
-          <p:nvPr>
-            <p:ph type="title"/>
-          </p:nvPr>
-        </p:nvSpPr>
-        <p:spPr>
-          <a:xfrm>
-            <a:off x="311700" y="2150850"/>
-            <a:ext cx="8520600" cy="841800"/>
-          </a:xfrm>
-          <a:prstGeom prst="rect">
-            <a:avLst/>
-          </a:prstGeom>
-          <a:noFill/>
-          <a:ln>
-            <a:noFill/>
-          </a:ln>
-        </p:spPr>
-        <p:txBody>
-          <a:bodyPr anchorCtr="0" anchor="ctr" bIns="91425" lIns="91425" spcFirstLastPara="1" rIns="91425" wrap="square" tIns="91425">
-            <a:normAutofit/>
-          </a:bodyPr>
-          <a:lstStyle/>
-          <a:p>
-            <a:pPr indent="0" lvl="0" marL="0" rtl="0" algn="ctr">
-              <a:lnSpc>
-                <a:spcPct val="100000"/>
-              </a:lnSpc>
-              <a:spcBef>
-                <a:spcPts val="0"/>
-              </a:spcBef>
-              <a:spcAft>
-                <a:spcPts val="0"/>
-              </a:spcAft>
-              <a:buSzPts val="3600"/>
-              <a:buNone/>
-            </a:pPr>
-            <a:r>
-              <a:rPr lang="ru">
-                <a:solidFill>
-                  <a:srgbClr val="FF0000"/>
-                </a:solidFill>
-                <a:latin typeface="Times New Roman"/>
-                <a:ea typeface="Times New Roman"/>
-                <a:cs typeface="Times New Roman"/>
-                <a:sym typeface="Times New Roman"/>
-              </a:rPr>
-              <a:t>Спасибо за внимание!</a:t>
-            </a:r>
-            <a:endParaRPr>
-              <a:solidFill>
-                <a:srgbClr val="FF0000"/>
-              </a:solidFill>
-              <a:latin typeface="Times New Roman"/>
-              <a:ea typeface="Times New Roman"/>
-              <a:cs typeface="Times New Roman"/>
-              <a:sym typeface="Times New Roman"/>
-            </a:endParaRPr>
-          </a:p>
-        </p:txBody>
-      </p:sp>
-    </p:spTree>
-  </p:cSld>
-  <p:clrMapOvr>
-    <a:masterClrMapping/>
-  </p:clrMapOvr>
-</p:sld>
-</file>
-
 <file path=ppt/slides/slide2.xml><?xml version="1.0" encoding="utf-8"?>
 <p:sld xmlns:a="http://schemas.openxmlformats.org/drawingml/2006/main" xmlns:r="http://schemas.openxmlformats.org/officeDocument/2006/relationships" xmlns:mc="http://schemas.openxmlformats.org/markup-compatibility/2006" xmlns:mv="urn:schemas-microsoft-com:mac:vml" xmlns:p="http://schemas.openxmlformats.org/presentationml/2006/main" xmlns:c="http://schemas.openxmlformats.org/drawingml/2006/chart" xmlns:dgm="http://schemas.openxmlformats.org/drawingml/2006/diagram" xmlns:o="urn:schemas-microsoft-com:office:office" xmlns:v="urn:schemas-microsoft-com:vml" xmlns:pvml="urn:schemas-microsoft-com:office:powerpoint" xmlns:com="http://schemas.openxmlformats.org/drawingml/2006/compatibility" xmlns:p14="http://schemas.microsoft.com/office/powerpoint/2010/main" xmlns:p15="http://schemas.microsoft.com/office/powerpoint/2012/main" xmlns:ahyp="http://schemas.microsoft.com/office/drawing/2018/hyperlinkcolor">
   <p:cSld>
@@ -10847,7 +10168,7 @@
                 <a:cs typeface="Times New Roman"/>
                 <a:sym typeface="Times New Roman"/>
               </a:rPr>
-              <a:t>С</a:t>
+              <a:t>В</a:t>
             </a:r>
             <a:r>
               <a:rPr lang="ru">
@@ -10856,7 +10177,7 @@
                 <a:cs typeface="Times New Roman"/>
                 <a:sym typeface="Times New Roman"/>
               </a:rPr>
-              <a:t>криншоты. Битва самолета с врагом</a:t>
+              <a:t>идео</a:t>
             </a:r>
             <a:endParaRPr>
               <a:latin typeface="Times New Roman"/>
@@ -10867,14 +10188,55 @@
           </a:p>
         </p:txBody>
       </p:sp>
+      <p:sp>
+        <p:nvSpPr>
+          <p:cNvPr id="81" name="Google Shape;81;p5"/>
+          <p:cNvSpPr txBox="1"/>
+          <p:nvPr>
+            <p:ph idx="1" type="body"/>
+          </p:nvPr>
+        </p:nvSpPr>
+        <p:spPr>
+          <a:xfrm>
+            <a:off x="311700" y="1152475"/>
+            <a:ext cx="8520600" cy="3416400"/>
+          </a:xfrm>
+          <a:prstGeom prst="rect">
+            <a:avLst/>
+          </a:prstGeom>
+        </p:spPr>
+        <p:txBody>
+          <a:bodyPr anchorCtr="0" anchor="t" bIns="91425" lIns="91425" spcFirstLastPara="1" rIns="91425" wrap="square" tIns="91425">
+            <a:normAutofit/>
+          </a:bodyPr>
+          <a:lstStyle/>
+          <a:p>
+            <a:pPr indent="0" lvl="0" marL="0" rtl="0" algn="l">
+              <a:spcBef>
+                <a:spcPts val="0"/>
+              </a:spcBef>
+              <a:spcAft>
+                <a:spcPts val="0"/>
+              </a:spcAft>
+              <a:buNone/>
+            </a:pPr>
+            <a:r>
+              <a:t/>
+            </a:r>
+            <a:endParaRPr/>
+          </a:p>
+        </p:txBody>
+      </p:sp>
       <p:pic>
         <p:nvPicPr>
-          <p:cNvPr id="81" name="Google Shape;81;p5"/>
+          <p:cNvPr id="82" name="Google Shape;82;p5" title="Видео проекта — сделано в Clipchamp_1673771231571.mp4">
+            <a:hlinkClick r:id="rId3"/>
+          </p:cNvPr>
           <p:cNvPicPr preferRelativeResize="0"/>
           <p:nvPr/>
         </p:nvPicPr>
         <p:blipFill>
-          <a:blip r:embed="rId3">
+          <a:blip r:embed="rId4">
             <a:alphaModFix/>
           </a:blip>
           <a:stretch>
@@ -10883,8 +10245,8 @@
         </p:blipFill>
         <p:spPr>
           <a:xfrm>
-            <a:off x="311700" y="1017725"/>
-            <a:ext cx="7107548" cy="3825325"/>
+            <a:off x="2421925" y="268863"/>
+            <a:ext cx="6141050" cy="4605775"/>
           </a:xfrm>
           <a:prstGeom prst="rect">
             <a:avLst/>
@@ -10900,6 +10262,89 @@
   <p:clrMapOvr>
     <a:masterClrMapping/>
   </p:clrMapOvr>
+  <p:timing>
+    <p:tnLst>
+      <p:par>
+        <p:cTn dur="indefinite" nodeType="tmRoot" restart="never">
+          <p:childTnLst>
+            <p:seq concurrent="1" nextAc="seek">
+              <p:cTn dur="indefinite" id="2" nodeType="mainSeq">
+                <p:childTnLst>
+                  <p:par>
+                    <p:cTn fill="hold">
+                      <p:stCondLst>
+                        <p:cond delay="indefinite"/>
+                      </p:stCondLst>
+                      <p:childTnLst>
+                        <p:par>
+                          <p:cTn fill="hold">
+                            <p:stCondLst>
+                              <p:cond delay="0"/>
+                            </p:stCondLst>
+                            <p:childTnLst>
+                              <p:par>
+                                <p:cTn fill="hold" nodeType="clickEffect" presetClass="entr" presetID="10" presetSubtype="0">
+                                  <p:stCondLst>
+                                    <p:cond delay="0"/>
+                                  </p:stCondLst>
+                                  <p:childTnLst>
+                                    <p:set>
+                                      <p:cBhvr>
+                                        <p:cTn dur="1" fill="hold">
+                                          <p:stCondLst>
+                                            <p:cond delay="0"/>
+                                          </p:stCondLst>
+                                        </p:cTn>
+                                        <p:tgtEl>
+                                          <p:spTgt spid="82"/>
+                                        </p:tgtEl>
+                                        <p:attrNameLst>
+                                          <p:attrName>style.visibility</p:attrName>
+                                        </p:attrNameLst>
+                                      </p:cBhvr>
+                                      <p:to>
+                                        <p:strVal val="visible"/>
+                                      </p:to>
+                                    </p:set>
+                                    <p:animEffect filter="fade" transition="in">
+                                      <p:cBhvr>
+                                        <p:cTn dur="1000"/>
+                                        <p:tgtEl>
+                                          <p:spTgt spid="82"/>
+                                        </p:tgtEl>
+                                      </p:cBhvr>
+                                    </p:animEffect>
+                                  </p:childTnLst>
+                                </p:cTn>
+                              </p:par>
+                            </p:childTnLst>
+                          </p:cTn>
+                        </p:par>
+                      </p:childTnLst>
+                    </p:cTn>
+                  </p:par>
+                </p:childTnLst>
+              </p:cTn>
+              <p:prevCondLst>
+                <p:cond evt="onPrev">
+                  <p:tgtEl>
+                    <p:sldTgt/>
+                  </p:tgtEl>
+                </p:cond>
+              </p:prevCondLst>
+              <p:nextCondLst>
+                <p:cond evt="onNext">
+                  <p:tgtEl>
+                    <p:sldTgt/>
+                  </p:tgtEl>
+                </p:cond>
+              </p:nextCondLst>
+            </p:seq>
+          </p:childTnLst>
+        </p:cTn>
+      </p:par>
+    </p:tnLst>
+  </p:timing>
 </p:sld>
 </file>
 
@@ -10908,7 +10353,7 @@
   <p:cSld>
     <p:spTree>
       <p:nvGrpSpPr>
-        <p:cNvPr id="85" name="Shape 85"/>
+        <p:cNvPr id="86" name="Shape 86"/>
         <p:cNvGrpSpPr/>
         <p:nvPr/>
       </p:nvGrpSpPr>
@@ -10922,7 +10367,7 @@
       </p:grpSpPr>
       <p:sp>
         <p:nvSpPr>
-          <p:cNvPr id="86" name="Google Shape;86;p6"/>
+          <p:cNvPr id="87" name="Google Shape;87;p11"/>
           <p:cNvSpPr txBox="1"/>
           <p:nvPr>
             <p:ph type="title"/>
@@ -10930,8 +10375,8 @@
         </p:nvSpPr>
         <p:spPr>
           <a:xfrm>
-            <a:off x="311700" y="445025"/>
-            <a:ext cx="8520600" cy="572700"/>
+            <a:off x="311700" y="2150850"/>
+            <a:ext cx="8520600" cy="841800"/>
           </a:xfrm>
           <a:prstGeom prst="rect">
             <a:avLst/>
@@ -10942,22 +10387,22 @@
           </a:ln>
         </p:spPr>
         <p:txBody>
-          <a:bodyPr anchorCtr="0" anchor="t" bIns="91425" lIns="91425" spcFirstLastPara="1" rIns="91425" wrap="square" tIns="91425">
-            <a:normAutofit fontScale="90000"/>
+          <a:bodyPr anchorCtr="0" anchor="ctr" bIns="91425" lIns="91425" spcFirstLastPara="1" rIns="91425" wrap="square" tIns="91425">
+            <a:normAutofit/>
           </a:bodyPr>
           <a:lstStyle/>
           <a:p>
-            <a:pPr indent="0" lvl="0" marL="0" rtl="0" algn="l">
-              <a:lnSpc>
-                <a:spcPct val="100000"/>
-              </a:lnSpc>
-              <a:spcBef>
-                <a:spcPts val="0"/>
-              </a:spcBef>
-              <a:spcAft>
-                <a:spcPts val="0"/>
-              </a:spcAft>
-              <a:buSzPct val="111111"/>
+            <a:pPr indent="0" lvl="0" marL="0" rtl="0" algn="ctr">
+              <a:lnSpc>
+                <a:spcPct val="100000"/>
+              </a:lnSpc>
+              <a:spcBef>
+                <a:spcPts val="0"/>
+              </a:spcBef>
+              <a:spcAft>
+                <a:spcPts val="0"/>
+              </a:spcAft>
+              <a:buSzPts val="3600"/>
               <a:buNone/>
             </a:pPr>
             <a:r>
@@ -10970,18 +10415,12 @@
                 <a:cs typeface="Times New Roman"/>
                 <a:sym typeface="Times New Roman"/>
               </a:rPr>
-              <a:t>С</a:t>
-            </a:r>
-            <a:r>
-              <a:rPr lang="ru">
-                <a:latin typeface="Times New Roman"/>
-                <a:ea typeface="Times New Roman"/>
-                <a:cs typeface="Times New Roman"/>
-                <a:sym typeface="Times New Roman"/>
-              </a:rPr>
-              <a:t>криншоты. Сбор монет</a:t>
+              <a:t>Спасибо за внимание!</a:t>
             </a:r>
             <a:endParaRPr>
+              <a:solidFill>
+                <a:srgbClr val="FF0000"/>
+              </a:solidFill>
               <a:latin typeface="Times New Roman"/>
               <a:ea typeface="Times New Roman"/>
               <a:cs typeface="Times New Roman"/>
@@ -10990,526 +10429,6 @@
           </a:p>
         </p:txBody>
       </p:sp>
-      <p:pic>
-        <p:nvPicPr>
-          <p:cNvPr id="87" name="Google Shape;87;p6"/>
-          <p:cNvPicPr preferRelativeResize="0"/>
-          <p:nvPr/>
-        </p:nvPicPr>
-        <p:blipFill>
-          <a:blip r:embed="rId3">
-            <a:alphaModFix/>
-          </a:blip>
-          <a:stretch>
-            <a:fillRect/>
-          </a:stretch>
-        </p:blipFill>
-        <p:spPr>
-          <a:xfrm>
-            <a:off x="311700" y="1017725"/>
-            <a:ext cx="6977899" cy="3755550"/>
-          </a:xfrm>
-          <a:prstGeom prst="rect">
-            <a:avLst/>
-          </a:prstGeom>
-          <a:noFill/>
-          <a:ln>
-            <a:noFill/>
-          </a:ln>
-        </p:spPr>
-      </p:pic>
-    </p:spTree>
-  </p:cSld>
-  <p:clrMapOvr>
-    <a:masterClrMapping/>
-  </p:clrMapOvr>
-</p:sld>
-</file>
-
-<file path=ppt/slides/slide6.xml><?xml version="1.0" encoding="utf-8"?>
-<p:sld xmlns:a="http://schemas.openxmlformats.org/drawingml/2006/main" xmlns:r="http://schemas.openxmlformats.org/officeDocument/2006/relationships" xmlns:mc="http://schemas.openxmlformats.org/markup-compatibility/2006" xmlns:mv="urn:schemas-microsoft-com:mac:vml" xmlns:p="http://schemas.openxmlformats.org/presentationml/2006/main" xmlns:c="http://schemas.openxmlformats.org/drawingml/2006/chart" xmlns:dgm="http://schemas.openxmlformats.org/drawingml/2006/diagram" xmlns:o="urn:schemas-microsoft-com:office:office" xmlns:v="urn:schemas-microsoft-com:vml" xmlns:pvml="urn:schemas-microsoft-com:office:powerpoint" xmlns:com="http://schemas.openxmlformats.org/drawingml/2006/compatibility" xmlns:p14="http://schemas.microsoft.com/office/powerpoint/2010/main" xmlns:p15="http://schemas.microsoft.com/office/powerpoint/2012/main" xmlns:ahyp="http://schemas.microsoft.com/office/drawing/2018/hyperlinkcolor">
-  <p:cSld>
-    <p:spTree>
-      <p:nvGrpSpPr>
-        <p:cNvPr id="91" name="Shape 91"/>
-        <p:cNvGrpSpPr/>
-        <p:nvPr/>
-      </p:nvGrpSpPr>
-      <p:grpSpPr>
-        <a:xfrm>
-          <a:off x="0" y="0"/>
-          <a:ext cx="0" cy="0"/>
-          <a:chOff x="0" y="0"/>
-          <a:chExt cx="0" cy="0"/>
-        </a:xfrm>
-      </p:grpSpPr>
-      <p:sp>
-        <p:nvSpPr>
-          <p:cNvPr id="92" name="Google Shape;92;p7"/>
-          <p:cNvSpPr txBox="1"/>
-          <p:nvPr>
-            <p:ph type="title"/>
-          </p:nvPr>
-        </p:nvSpPr>
-        <p:spPr>
-          <a:xfrm>
-            <a:off x="311700" y="445025"/>
-            <a:ext cx="8520600" cy="572700"/>
-          </a:xfrm>
-          <a:prstGeom prst="rect">
-            <a:avLst/>
-          </a:prstGeom>
-          <a:noFill/>
-          <a:ln>
-            <a:noFill/>
-          </a:ln>
-        </p:spPr>
-        <p:txBody>
-          <a:bodyPr anchorCtr="0" anchor="t" bIns="91425" lIns="91425" spcFirstLastPara="1" rIns="91425" wrap="square" tIns="91425">
-            <a:normAutofit fontScale="90000"/>
-          </a:bodyPr>
-          <a:lstStyle/>
-          <a:p>
-            <a:pPr indent="0" lvl="0" marL="0" rtl="0" algn="l">
-              <a:lnSpc>
-                <a:spcPct val="100000"/>
-              </a:lnSpc>
-              <a:spcBef>
-                <a:spcPts val="0"/>
-              </a:spcBef>
-              <a:spcAft>
-                <a:spcPts val="0"/>
-              </a:spcAft>
-              <a:buSzPct val="111111"/>
-              <a:buNone/>
-            </a:pPr>
-            <a:r>
-              <a:rPr lang="ru">
-                <a:solidFill>
-                  <a:srgbClr val="FF0000"/>
-                </a:solidFill>
-                <a:latin typeface="Times New Roman"/>
-                <a:ea typeface="Times New Roman"/>
-                <a:cs typeface="Times New Roman"/>
-                <a:sym typeface="Times New Roman"/>
-              </a:rPr>
-              <a:t>С</a:t>
-            </a:r>
-            <a:r>
-              <a:rPr lang="ru">
-                <a:latin typeface="Times New Roman"/>
-                <a:ea typeface="Times New Roman"/>
-                <a:cs typeface="Times New Roman"/>
-                <a:sym typeface="Times New Roman"/>
-              </a:rPr>
-              <a:t>криншоты. Экран улучшений</a:t>
-            </a:r>
-            <a:endParaRPr>
-              <a:latin typeface="Times New Roman"/>
-              <a:ea typeface="Times New Roman"/>
-              <a:cs typeface="Times New Roman"/>
-              <a:sym typeface="Times New Roman"/>
-            </a:endParaRPr>
-          </a:p>
-        </p:txBody>
-      </p:sp>
-      <p:pic>
-        <p:nvPicPr>
-          <p:cNvPr id="93" name="Google Shape;93;p7"/>
-          <p:cNvPicPr preferRelativeResize="0"/>
-          <p:nvPr/>
-        </p:nvPicPr>
-        <p:blipFill>
-          <a:blip r:embed="rId3">
-            <a:alphaModFix/>
-          </a:blip>
-          <a:stretch>
-            <a:fillRect/>
-          </a:stretch>
-        </p:blipFill>
-        <p:spPr>
-          <a:xfrm>
-            <a:off x="311700" y="1043850"/>
-            <a:ext cx="7085575" cy="3813500"/>
-          </a:xfrm>
-          <a:prstGeom prst="rect">
-            <a:avLst/>
-          </a:prstGeom>
-          <a:noFill/>
-          <a:ln>
-            <a:noFill/>
-          </a:ln>
-        </p:spPr>
-      </p:pic>
-    </p:spTree>
-  </p:cSld>
-  <p:clrMapOvr>
-    <a:masterClrMapping/>
-  </p:clrMapOvr>
-</p:sld>
-</file>
-
-<file path=ppt/slides/slide7.xml><?xml version="1.0" encoding="utf-8"?>
-<p:sld xmlns:a="http://schemas.openxmlformats.org/drawingml/2006/main" xmlns:r="http://schemas.openxmlformats.org/officeDocument/2006/relationships" xmlns:mc="http://schemas.openxmlformats.org/markup-compatibility/2006" xmlns:mv="urn:schemas-microsoft-com:mac:vml" xmlns:p="http://schemas.openxmlformats.org/presentationml/2006/main" xmlns:c="http://schemas.openxmlformats.org/drawingml/2006/chart" xmlns:dgm="http://schemas.openxmlformats.org/drawingml/2006/diagram" xmlns:o="urn:schemas-microsoft-com:office:office" xmlns:v="urn:schemas-microsoft-com:vml" xmlns:pvml="urn:schemas-microsoft-com:office:powerpoint" xmlns:com="http://schemas.openxmlformats.org/drawingml/2006/compatibility" xmlns:p14="http://schemas.microsoft.com/office/powerpoint/2010/main" xmlns:p15="http://schemas.microsoft.com/office/powerpoint/2012/main" xmlns:ahyp="http://schemas.microsoft.com/office/drawing/2018/hyperlinkcolor">
-  <p:cSld>
-    <p:spTree>
-      <p:nvGrpSpPr>
-        <p:cNvPr id="97" name="Shape 97"/>
-        <p:cNvGrpSpPr/>
-        <p:nvPr/>
-      </p:nvGrpSpPr>
-      <p:grpSpPr>
-        <a:xfrm>
-          <a:off x="0" y="0"/>
-          <a:ext cx="0" cy="0"/>
-          <a:chOff x="0" y="0"/>
-          <a:chExt cx="0" cy="0"/>
-        </a:xfrm>
-      </p:grpSpPr>
-      <p:sp>
-        <p:nvSpPr>
-          <p:cNvPr id="98" name="Google Shape;98;p8"/>
-          <p:cNvSpPr txBox="1"/>
-          <p:nvPr>
-            <p:ph type="title"/>
-          </p:nvPr>
-        </p:nvSpPr>
-        <p:spPr>
-          <a:xfrm>
-            <a:off x="311700" y="445025"/>
-            <a:ext cx="8520600" cy="572700"/>
-          </a:xfrm>
-          <a:prstGeom prst="rect">
-            <a:avLst/>
-          </a:prstGeom>
-          <a:noFill/>
-          <a:ln>
-            <a:noFill/>
-          </a:ln>
-        </p:spPr>
-        <p:txBody>
-          <a:bodyPr anchorCtr="0" anchor="t" bIns="91425" lIns="91425" spcFirstLastPara="1" rIns="91425" wrap="square" tIns="91425">
-            <a:normAutofit fontScale="90000"/>
-          </a:bodyPr>
-          <a:lstStyle/>
-          <a:p>
-            <a:pPr indent="0" lvl="0" marL="0" rtl="0" algn="l">
-              <a:lnSpc>
-                <a:spcPct val="100000"/>
-              </a:lnSpc>
-              <a:spcBef>
-                <a:spcPts val="0"/>
-              </a:spcBef>
-              <a:spcAft>
-                <a:spcPts val="0"/>
-              </a:spcAft>
-              <a:buSzPct val="111111"/>
-              <a:buNone/>
-            </a:pPr>
-            <a:r>
-              <a:rPr lang="ru">
-                <a:solidFill>
-                  <a:srgbClr val="FF0000"/>
-                </a:solidFill>
-                <a:latin typeface="Times New Roman"/>
-                <a:ea typeface="Times New Roman"/>
-                <a:cs typeface="Times New Roman"/>
-                <a:sym typeface="Times New Roman"/>
-              </a:rPr>
-              <a:t>С</a:t>
-            </a:r>
-            <a:r>
-              <a:rPr lang="ru">
-                <a:latin typeface="Times New Roman"/>
-                <a:ea typeface="Times New Roman"/>
-                <a:cs typeface="Times New Roman"/>
-                <a:sym typeface="Times New Roman"/>
-              </a:rPr>
-              <a:t>криншоты. Появление босса</a:t>
-            </a:r>
-            <a:endParaRPr>
-              <a:latin typeface="Times New Roman"/>
-              <a:ea typeface="Times New Roman"/>
-              <a:cs typeface="Times New Roman"/>
-              <a:sym typeface="Times New Roman"/>
-            </a:endParaRPr>
-          </a:p>
-        </p:txBody>
-      </p:sp>
-      <p:pic>
-        <p:nvPicPr>
-          <p:cNvPr id="99" name="Google Shape;99;p8"/>
-          <p:cNvPicPr preferRelativeResize="0"/>
-          <p:nvPr/>
-        </p:nvPicPr>
-        <p:blipFill>
-          <a:blip r:embed="rId3">
-            <a:alphaModFix/>
-          </a:blip>
-          <a:stretch>
-            <a:fillRect/>
-          </a:stretch>
-        </p:blipFill>
-        <p:spPr>
-          <a:xfrm>
-            <a:off x="311700" y="1155800"/>
-            <a:ext cx="7037074" cy="3787400"/>
-          </a:xfrm>
-          <a:prstGeom prst="rect">
-            <a:avLst/>
-          </a:prstGeom>
-          <a:noFill/>
-          <a:ln>
-            <a:noFill/>
-          </a:ln>
-        </p:spPr>
-      </p:pic>
-    </p:spTree>
-  </p:cSld>
-  <p:clrMapOvr>
-    <a:masterClrMapping/>
-  </p:clrMapOvr>
-</p:sld>
-</file>
-
-<file path=ppt/slides/slide8.xml><?xml version="1.0" encoding="utf-8"?>
-<p:sld xmlns:a="http://schemas.openxmlformats.org/drawingml/2006/main" xmlns:r="http://schemas.openxmlformats.org/officeDocument/2006/relationships" xmlns:mc="http://schemas.openxmlformats.org/markup-compatibility/2006" xmlns:mv="urn:schemas-microsoft-com:mac:vml" xmlns:p="http://schemas.openxmlformats.org/presentationml/2006/main" xmlns:c="http://schemas.openxmlformats.org/drawingml/2006/chart" xmlns:dgm="http://schemas.openxmlformats.org/drawingml/2006/diagram" xmlns:o="urn:schemas-microsoft-com:office:office" xmlns:v="urn:schemas-microsoft-com:vml" xmlns:pvml="urn:schemas-microsoft-com:office:powerpoint" xmlns:com="http://schemas.openxmlformats.org/drawingml/2006/compatibility" xmlns:p14="http://schemas.microsoft.com/office/powerpoint/2010/main" xmlns:p15="http://schemas.microsoft.com/office/powerpoint/2012/main" xmlns:ahyp="http://schemas.microsoft.com/office/drawing/2018/hyperlinkcolor">
-  <p:cSld>
-    <p:spTree>
-      <p:nvGrpSpPr>
-        <p:cNvPr id="103" name="Shape 103"/>
-        <p:cNvGrpSpPr/>
-        <p:nvPr/>
-      </p:nvGrpSpPr>
-      <p:grpSpPr>
-        <a:xfrm>
-          <a:off x="0" y="0"/>
-          <a:ext cx="0" cy="0"/>
-          <a:chOff x="0" y="0"/>
-          <a:chExt cx="0" cy="0"/>
-        </a:xfrm>
-      </p:grpSpPr>
-      <p:sp>
-        <p:nvSpPr>
-          <p:cNvPr id="104" name="Google Shape;104;p9"/>
-          <p:cNvSpPr txBox="1"/>
-          <p:nvPr>
-            <p:ph type="title"/>
-          </p:nvPr>
-        </p:nvSpPr>
-        <p:spPr>
-          <a:xfrm>
-            <a:off x="311700" y="445025"/>
-            <a:ext cx="8520600" cy="572700"/>
-          </a:xfrm>
-          <a:prstGeom prst="rect">
-            <a:avLst/>
-          </a:prstGeom>
-          <a:noFill/>
-          <a:ln>
-            <a:noFill/>
-          </a:ln>
-        </p:spPr>
-        <p:txBody>
-          <a:bodyPr anchorCtr="0" anchor="t" bIns="91425" lIns="91425" spcFirstLastPara="1" rIns="91425" wrap="square" tIns="91425">
-            <a:normAutofit fontScale="90000"/>
-          </a:bodyPr>
-          <a:lstStyle/>
-          <a:p>
-            <a:pPr indent="0" lvl="0" marL="0" rtl="0" algn="l">
-              <a:lnSpc>
-                <a:spcPct val="100000"/>
-              </a:lnSpc>
-              <a:spcBef>
-                <a:spcPts val="0"/>
-              </a:spcBef>
-              <a:spcAft>
-                <a:spcPts val="0"/>
-              </a:spcAft>
-              <a:buSzPct val="111111"/>
-              <a:buNone/>
-            </a:pPr>
-            <a:r>
-              <a:rPr lang="ru">
-                <a:solidFill>
-                  <a:srgbClr val="FF0000"/>
-                </a:solidFill>
-                <a:latin typeface="Times New Roman"/>
-                <a:ea typeface="Times New Roman"/>
-                <a:cs typeface="Times New Roman"/>
-                <a:sym typeface="Times New Roman"/>
-              </a:rPr>
-              <a:t>С</a:t>
-            </a:r>
-            <a:r>
-              <a:rPr lang="ru">
-                <a:latin typeface="Times New Roman"/>
-                <a:ea typeface="Times New Roman"/>
-                <a:cs typeface="Times New Roman"/>
-                <a:sym typeface="Times New Roman"/>
-              </a:rPr>
-              <a:t>криншоты. Ветер</a:t>
-            </a:r>
-            <a:endParaRPr>
-              <a:latin typeface="Times New Roman"/>
-              <a:ea typeface="Times New Roman"/>
-              <a:cs typeface="Times New Roman"/>
-              <a:sym typeface="Times New Roman"/>
-            </a:endParaRPr>
-          </a:p>
-        </p:txBody>
-      </p:sp>
-      <p:pic>
-        <p:nvPicPr>
-          <p:cNvPr id="105" name="Google Shape;105;p9"/>
-          <p:cNvPicPr preferRelativeResize="0"/>
-          <p:nvPr/>
-        </p:nvPicPr>
-        <p:blipFill>
-          <a:blip r:embed="rId3">
-            <a:alphaModFix/>
-          </a:blip>
-          <a:stretch>
-            <a:fillRect/>
-          </a:stretch>
-        </p:blipFill>
-        <p:spPr>
-          <a:xfrm>
-            <a:off x="311700" y="1098600"/>
-            <a:ext cx="7099524" cy="3821000"/>
-          </a:xfrm>
-          <a:prstGeom prst="rect">
-            <a:avLst/>
-          </a:prstGeom>
-          <a:noFill/>
-          <a:ln>
-            <a:noFill/>
-          </a:ln>
-        </p:spPr>
-      </p:pic>
-    </p:spTree>
-  </p:cSld>
-  <p:clrMapOvr>
-    <a:masterClrMapping/>
-  </p:clrMapOvr>
-</p:sld>
-</file>
-
-<file path=ppt/slides/slide9.xml><?xml version="1.0" encoding="utf-8"?>
-<p:sld xmlns:a="http://schemas.openxmlformats.org/drawingml/2006/main" xmlns:r="http://schemas.openxmlformats.org/officeDocument/2006/relationships" xmlns:mc="http://schemas.openxmlformats.org/markup-compatibility/2006" xmlns:mv="urn:schemas-microsoft-com:mac:vml" xmlns:p="http://schemas.openxmlformats.org/presentationml/2006/main" xmlns:c="http://schemas.openxmlformats.org/drawingml/2006/chart" xmlns:dgm="http://schemas.openxmlformats.org/drawingml/2006/diagram" xmlns:o="urn:schemas-microsoft-com:office:office" xmlns:v="urn:schemas-microsoft-com:vml" xmlns:pvml="urn:schemas-microsoft-com:office:powerpoint" xmlns:com="http://schemas.openxmlformats.org/drawingml/2006/compatibility" xmlns:p14="http://schemas.microsoft.com/office/powerpoint/2010/main" xmlns:p15="http://schemas.microsoft.com/office/powerpoint/2012/main" xmlns:ahyp="http://schemas.microsoft.com/office/drawing/2018/hyperlinkcolor">
-  <p:cSld>
-    <p:spTree>
-      <p:nvGrpSpPr>
-        <p:cNvPr id="109" name="Shape 109"/>
-        <p:cNvGrpSpPr/>
-        <p:nvPr/>
-      </p:nvGrpSpPr>
-      <p:grpSpPr>
-        <a:xfrm>
-          <a:off x="0" y="0"/>
-          <a:ext cx="0" cy="0"/>
-          <a:chOff x="0" y="0"/>
-          <a:chExt cx="0" cy="0"/>
-        </a:xfrm>
-      </p:grpSpPr>
-      <p:sp>
-        <p:nvSpPr>
-          <p:cNvPr id="110" name="Google Shape;110;p10"/>
-          <p:cNvSpPr txBox="1"/>
-          <p:nvPr>
-            <p:ph type="title"/>
-          </p:nvPr>
-        </p:nvSpPr>
-        <p:spPr>
-          <a:xfrm>
-            <a:off x="311700" y="445025"/>
-            <a:ext cx="8520600" cy="572700"/>
-          </a:xfrm>
-          <a:prstGeom prst="rect">
-            <a:avLst/>
-          </a:prstGeom>
-          <a:noFill/>
-          <a:ln>
-            <a:noFill/>
-          </a:ln>
-        </p:spPr>
-        <p:txBody>
-          <a:bodyPr anchorCtr="0" anchor="t" bIns="91425" lIns="91425" spcFirstLastPara="1" rIns="91425" wrap="square" tIns="91425">
-            <a:normAutofit fontScale="90000"/>
-          </a:bodyPr>
-          <a:lstStyle/>
-          <a:p>
-            <a:pPr indent="0" lvl="0" marL="0" rtl="0" algn="l">
-              <a:lnSpc>
-                <a:spcPct val="100000"/>
-              </a:lnSpc>
-              <a:spcBef>
-                <a:spcPts val="0"/>
-              </a:spcBef>
-              <a:spcAft>
-                <a:spcPts val="0"/>
-              </a:spcAft>
-              <a:buSzPct val="111111"/>
-              <a:buNone/>
-            </a:pPr>
-            <a:r>
-              <a:rPr lang="ru">
-                <a:solidFill>
-                  <a:srgbClr val="FF0000"/>
-                </a:solidFill>
-                <a:latin typeface="Times New Roman"/>
-                <a:ea typeface="Times New Roman"/>
-                <a:cs typeface="Times New Roman"/>
-                <a:sym typeface="Times New Roman"/>
-              </a:rPr>
-              <a:t>С</a:t>
-            </a:r>
-            <a:r>
-              <a:rPr lang="ru">
-                <a:latin typeface="Times New Roman"/>
-                <a:ea typeface="Times New Roman"/>
-                <a:cs typeface="Times New Roman"/>
-                <a:sym typeface="Times New Roman"/>
-              </a:rPr>
-              <a:t>криншоты. Туман</a:t>
-            </a:r>
-            <a:endParaRPr>
-              <a:latin typeface="Times New Roman"/>
-              <a:ea typeface="Times New Roman"/>
-              <a:cs typeface="Times New Roman"/>
-              <a:sym typeface="Times New Roman"/>
-            </a:endParaRPr>
-          </a:p>
-        </p:txBody>
-      </p:sp>
-      <p:pic>
-        <p:nvPicPr>
-          <p:cNvPr id="111" name="Google Shape;111;p10"/>
-          <p:cNvPicPr preferRelativeResize="0"/>
-          <p:nvPr/>
-        </p:nvPicPr>
-        <p:blipFill>
-          <a:blip r:embed="rId3">
-            <a:alphaModFix/>
-          </a:blip>
-          <a:stretch>
-            <a:fillRect/>
-          </a:stretch>
-        </p:blipFill>
-        <p:spPr>
-          <a:xfrm>
-            <a:off x="791000" y="1017725"/>
-            <a:ext cx="4853250" cy="3893875"/>
-          </a:xfrm>
-          <a:prstGeom prst="rect">
-            <a:avLst/>
-          </a:prstGeom>
-          <a:noFill/>
-          <a:ln>
-            <a:noFill/>
-          </a:ln>
-        </p:spPr>
-      </p:pic>
     </p:spTree>
   </p:cSld>
   <p:clrMapOvr>
@@ -11519,6 +10438,285 @@
 </file>
 
 <file path=ppt/theme/theme1.xml><?xml version="1.0" encoding="utf-8"?>
+<a:theme xmlns:a="http://schemas.openxmlformats.org/drawingml/2006/main" xmlns:r="http://schemas.openxmlformats.org/officeDocument/2006/relationships" name="Simple Light">
+  <a:themeElements>
+    <a:clrScheme name="Simple Light">
+      <a:dk1>
+        <a:srgbClr val="000000"/>
+      </a:dk1>
+      <a:lt1>
+        <a:srgbClr val="FFFFFF"/>
+      </a:lt1>
+      <a:dk2>
+        <a:srgbClr val="595959"/>
+      </a:dk2>
+      <a:lt2>
+        <a:srgbClr val="EEEEEE"/>
+      </a:lt2>
+      <a:accent1>
+        <a:srgbClr val="4285F4"/>
+      </a:accent1>
+      <a:accent2>
+        <a:srgbClr val="212121"/>
+      </a:accent2>
+      <a:accent3>
+        <a:srgbClr val="78909C"/>
+      </a:accent3>
+      <a:accent4>
+        <a:srgbClr val="FFAB40"/>
+      </a:accent4>
+      <a:accent5>
+        <a:srgbClr val="0097A7"/>
+      </a:accent5>
+      <a:accent6>
+        <a:srgbClr val="EEFF41"/>
+      </a:accent6>
+      <a:hlink>
+        <a:srgbClr val="0097A7"/>
+      </a:hlink>
+      <a:folHlink>
+        <a:srgbClr val="0097A7"/>
+      </a:folHlink>
+    </a:clrScheme>
+    <a:fontScheme name="Office">
+      <a:majorFont>
+        <a:latin typeface="Arial"/>
+        <a:ea typeface=""/>
+        <a:cs typeface=""/>
+        <a:font script="Jpan" typeface="ＭＳ Ｐゴシック"/>
+        <a:font script="Hang" typeface="맑은 고딕"/>
+        <a:font script="Hans" typeface="宋体"/>
+        <a:font script="Hant" typeface="新細明體"/>
+        <a:font script="Arab" typeface="Times New Roman"/>
+        <a:font script="Hebr" typeface="Times New Roman"/>
+        <a:font script="Thai" typeface="Angsana New"/>
+        <a:font script="Ethi" typeface="Nyala"/>
+        <a:font script="Beng" typeface="Vrinda"/>
+        <a:font script="Gujr" typeface="Shruti"/>
+        <a:font script="Khmr" typeface="MoolBoran"/>
+        <a:font script="Knda" typeface="Tunga"/>
+        <a:font script="Guru" typeface="Raavi"/>
+        <a:font script="Cans" typeface="Euphemia"/>
+        <a:font script="Cher" typeface="Plantagenet Cherokee"/>
+        <a:font script="Yiii" typeface="Microsoft Yi Baiti"/>
+        <a:font script="Tibt" typeface="Microsoft Himalaya"/>
+        <a:font script="Thaa" typeface="MV Boli"/>
+        <a:font script="Deva" typeface="Mangal"/>
+        <a:font script="Telu" typeface="Gautami"/>
+        <a:font script="Taml" typeface="Latha"/>
+        <a:font script="Syrc" typeface="Estrangelo Edessa"/>
+        <a:font script="Orya" typeface="Kalinga"/>
+        <a:font script="Mlym" typeface="Kartika"/>
+        <a:font script="Laoo" typeface="DokChampa"/>
+        <a:font script="Sinh" typeface="Iskoola Pota"/>
+        <a:font script="Mong" typeface="Mongolian Baiti"/>
+        <a:font script="Viet" typeface="Times New Roman"/>
+        <a:font script="Uigh" typeface="Microsoft Uighur"/>
+        <a:font script="Geor" typeface="Sylfaen"/>
+      </a:majorFont>
+      <a:minorFont>
+        <a:latin typeface="Arial"/>
+        <a:ea typeface=""/>
+        <a:cs typeface=""/>
+        <a:font script="Jpan" typeface="ＭＳ Ｐゴシック"/>
+        <a:font script="Hang" typeface="맑은 고딕"/>
+        <a:font script="Hans" typeface="宋体"/>
+        <a:font script="Hant" typeface="新細明體"/>
+        <a:font script="Arab" typeface="Arial"/>
+        <a:font script="Hebr" typeface="Arial"/>
+        <a:font script="Thai" typeface="Cordia New"/>
+        <a:font script="Ethi" typeface="Nyala"/>
+        <a:font script="Beng" typeface="Vrinda"/>
+        <a:font script="Gujr" typeface="Shruti"/>
+        <a:font script="Khmr" typeface="DaunPenh"/>
+        <a:font script="Knda" typeface="Tunga"/>
+        <a:font script="Guru" typeface="Raavi"/>
+        <a:font script="Cans" typeface="Euphemia"/>
+        <a:font script="Cher" typeface="Plantagenet Cherokee"/>
+        <a:font script="Yiii" typeface="Microsoft Yi Baiti"/>
+        <a:font script="Tibt" typeface="Microsoft Himalaya"/>
+        <a:font script="Thaa" typeface="MV Boli"/>
+        <a:font script="Deva" typeface="Mangal"/>
+        <a:font script="Telu" typeface="Gautami"/>
+        <a:font script="Taml" typeface="Latha"/>
+        <a:font script="Syrc" typeface="Estrangelo Edessa"/>
+        <a:font script="Orya" typeface="Kalinga"/>
+        <a:font script="Mlym" typeface="Kartika"/>
+        <a:font script="Laoo" typeface="DokChampa"/>
+        <a:font script="Sinh" typeface="Iskoola Pota"/>
+        <a:font script="Mong" typeface="Mongolian Baiti"/>
+        <a:font script="Viet" typeface="Arial"/>
+        <a:font script="Uigh" typeface="Microsoft Uighur"/>
+        <a:font script="Geor" typeface="Sylfaen"/>
+      </a:minorFont>
+    </a:fontScheme>
+    <a:fmtScheme name="Office">
+      <a:fillStyleLst>
+        <a:solidFill>
+          <a:schemeClr val="phClr"/>
+        </a:solidFill>
+        <a:gradFill rotWithShape="1">
+          <a:gsLst>
+            <a:gs pos="0">
+              <a:schemeClr val="phClr">
+                <a:tint val="50000"/>
+                <a:satMod val="300000"/>
+              </a:schemeClr>
+            </a:gs>
+            <a:gs pos="35000">
+              <a:schemeClr val="phClr">
+                <a:tint val="37000"/>
+                <a:satMod val="300000"/>
+              </a:schemeClr>
+            </a:gs>
+            <a:gs pos="100000">
+              <a:schemeClr val="phClr">
+                <a:tint val="15000"/>
+                <a:satMod val="350000"/>
+              </a:schemeClr>
+            </a:gs>
+          </a:gsLst>
+          <a:lin ang="16200000" scaled="1"/>
+        </a:gradFill>
+        <a:gradFill rotWithShape="1">
+          <a:gsLst>
+            <a:gs pos="0">
+              <a:schemeClr val="phClr">
+                <a:tint val="100000"/>
+                <a:shade val="100000"/>
+                <a:satMod val="130000"/>
+              </a:schemeClr>
+            </a:gs>
+            <a:gs pos="100000">
+              <a:schemeClr val="phClr">
+                <a:tint val="50000"/>
+                <a:shade val="100000"/>
+                <a:satMod val="350000"/>
+              </a:schemeClr>
+            </a:gs>
+          </a:gsLst>
+          <a:lin ang="16200000" scaled="0"/>
+        </a:gradFill>
+      </a:fillStyleLst>
+      <a:lnStyleLst>
+        <a:ln w="9525" cap="flat" cmpd="sng" algn="ctr">
+          <a:solidFill>
+            <a:schemeClr val="phClr">
+              <a:shade val="95000"/>
+              <a:satMod val="105000"/>
+            </a:schemeClr>
+          </a:solidFill>
+          <a:prstDash val="solid"/>
+        </a:ln>
+        <a:ln w="25400" cap="flat" cmpd="sng" algn="ctr">
+          <a:solidFill>
+            <a:schemeClr val="phClr"/>
+          </a:solidFill>
+          <a:prstDash val="solid"/>
+        </a:ln>
+        <a:ln w="38100" cap="flat" cmpd="sng" algn="ctr">
+          <a:solidFill>
+            <a:schemeClr val="phClr"/>
+          </a:solidFill>
+          <a:prstDash val="solid"/>
+        </a:ln>
+      </a:lnStyleLst>
+      <a:effectStyleLst>
+        <a:effectStyle>
+          <a:effectLst>
+            <a:outerShdw blurRad="40000" dist="20000" dir="5400000" rotWithShape="0">
+              <a:srgbClr val="000000">
+                <a:alpha val="38000"/>
+              </a:srgbClr>
+            </a:outerShdw>
+          </a:effectLst>
+        </a:effectStyle>
+        <a:effectStyle>
+          <a:effectLst>
+            <a:outerShdw blurRad="40000" dist="23000" dir="5400000" rotWithShape="0">
+              <a:srgbClr val="000000">
+                <a:alpha val="35000"/>
+              </a:srgbClr>
+            </a:outerShdw>
+          </a:effectLst>
+        </a:effectStyle>
+        <a:effectStyle>
+          <a:effectLst>
+            <a:outerShdw blurRad="40000" dist="23000" dir="5400000" rotWithShape="0">
+              <a:srgbClr val="000000">
+                <a:alpha val="35000"/>
+              </a:srgbClr>
+            </a:outerShdw>
+          </a:effectLst>
+          <a:scene3d>
+            <a:camera prst="orthographicFront">
+              <a:rot lat="0" lon="0" rev="0"/>
+            </a:camera>
+            <a:lightRig rig="threePt" dir="t">
+              <a:rot lat="0" lon="0" rev="1200000"/>
+            </a:lightRig>
+          </a:scene3d>
+          <a:sp3d>
+            <a:bevelT w="63500" h="25400"/>
+          </a:sp3d>
+        </a:effectStyle>
+      </a:effectStyleLst>
+      <a:bgFillStyleLst>
+        <a:solidFill>
+          <a:schemeClr val="phClr"/>
+        </a:solidFill>
+        <a:gradFill rotWithShape="1">
+          <a:gsLst>
+            <a:gs pos="0">
+              <a:schemeClr val="phClr">
+                <a:tint val="40000"/>
+                <a:satMod val="350000"/>
+              </a:schemeClr>
+            </a:gs>
+            <a:gs pos="40000">
+              <a:schemeClr val="phClr">
+                <a:tint val="45000"/>
+                <a:shade val="99000"/>
+                <a:satMod val="350000"/>
+              </a:schemeClr>
+            </a:gs>
+            <a:gs pos="100000">
+              <a:schemeClr val="phClr">
+                <a:shade val="20000"/>
+                <a:satMod val="255000"/>
+              </a:schemeClr>
+            </a:gs>
+          </a:gsLst>
+          <a:path path="circle">
+            <a:fillToRect l="50000" t="-80000" r="50000" b="180000"/>
+          </a:path>
+        </a:gradFill>
+        <a:gradFill rotWithShape="1">
+          <a:gsLst>
+            <a:gs pos="0">
+              <a:schemeClr val="phClr">
+                <a:tint val="80000"/>
+                <a:satMod val="300000"/>
+              </a:schemeClr>
+            </a:gs>
+            <a:gs pos="100000">
+              <a:schemeClr val="phClr">
+                <a:shade val="30000"/>
+                <a:satMod val="200000"/>
+              </a:schemeClr>
+            </a:gs>
+          </a:gsLst>
+          <a:path path="circle">
+            <a:fillToRect l="50000" t="50000" r="50000" b="50000"/>
+          </a:path>
+        </a:gradFill>
+      </a:bgFillStyleLst>
+    </a:fmtScheme>
+  </a:themeElements>
+</a:theme>
+</file>
+
+<file path=ppt/theme/theme2.xml><?xml version="1.0" encoding="utf-8"?>
 <a:theme xmlns:a="http://schemas.openxmlformats.org/drawingml/2006/main" xmlns:r="http://schemas.openxmlformats.org/officeDocument/2006/relationships">
   <a:themeElements>
     <a:clrScheme name="Default">
@@ -11795,283 +10993,4 @@
     </a:fmtScheme>
   </a:themeElements>
 </a:theme>
-</file>
-
-<file path=ppt/theme/theme2.xml><?xml version="1.0" encoding="utf-8"?>
-<a:theme xmlns:a="http://schemas.openxmlformats.org/drawingml/2006/main" xmlns:r="http://schemas.openxmlformats.org/officeDocument/2006/relationships" name="Simple Light">
-  <a:themeElements>
-    <a:clrScheme name="Simple Light">
-      <a:dk1>
-        <a:srgbClr val="000000"/>
-      </a:dk1>
-      <a:lt1>
-        <a:srgbClr val="FFFFFF"/>
-      </a:lt1>
-      <a:dk2>
-        <a:srgbClr val="595959"/>
-      </a:dk2>
-      <a:lt2>
-        <a:srgbClr val="EEEEEE"/>
-      </a:lt2>
-      <a:accent1>
-        <a:srgbClr val="4285F4"/>
-      </a:accent1>
-      <a:accent2>
-        <a:srgbClr val="212121"/>
-      </a:accent2>
-      <a:accent3>
-        <a:srgbClr val="78909C"/>
-      </a:accent3>
-      <a:accent4>
-        <a:srgbClr val="FFAB40"/>
-      </a:accent4>
-      <a:accent5>
-        <a:srgbClr val="0097A7"/>
-      </a:accent5>
-      <a:accent6>
-        <a:srgbClr val="EEFF41"/>
-      </a:accent6>
-      <a:hlink>
-        <a:srgbClr val="0097A7"/>
-      </a:hlink>
-      <a:folHlink>
-        <a:srgbClr val="0097A7"/>
-      </a:folHlink>
-    </a:clrScheme>
-    <a:fontScheme name="Office">
-      <a:majorFont>
-        <a:latin typeface="Arial"/>
-        <a:ea typeface=""/>
-        <a:cs typeface=""/>
-        <a:font script="Jpan" typeface="ＭＳ Ｐゴシック"/>
-        <a:font script="Hang" typeface="맑은 고딕"/>
-        <a:font script="Hans" typeface="宋体"/>
-        <a:font script="Hant" typeface="新細明體"/>
-        <a:font script="Arab" typeface="Times New Roman"/>
-        <a:font script="Hebr" typeface="Times New Roman"/>
-        <a:font script="Thai" typeface="Angsana New"/>
-        <a:font script="Ethi" typeface="Nyala"/>
-        <a:font script="Beng" typeface="Vrinda"/>
-        <a:font script="Gujr" typeface="Shruti"/>
-        <a:font script="Khmr" typeface="MoolBoran"/>
-        <a:font script="Knda" typeface="Tunga"/>
-        <a:font script="Guru" typeface="Raavi"/>
-        <a:font script="Cans" typeface="Euphemia"/>
-        <a:font script="Cher" typeface="Plantagenet Cherokee"/>
-        <a:font script="Yiii" typeface="Microsoft Yi Baiti"/>
-        <a:font script="Tibt" typeface="Microsoft Himalaya"/>
-        <a:font script="Thaa" typeface="MV Boli"/>
-        <a:font script="Deva" typeface="Mangal"/>
-        <a:font script="Telu" typeface="Gautami"/>
-        <a:font script="Taml" typeface="Latha"/>
-        <a:font script="Syrc" typeface="Estrangelo Edessa"/>
-        <a:font script="Orya" typeface="Kalinga"/>
-        <a:font script="Mlym" typeface="Kartika"/>
-        <a:font script="Laoo" typeface="DokChampa"/>
-        <a:font script="Sinh" typeface="Iskoola Pota"/>
-        <a:font script="Mong" typeface="Mongolian Baiti"/>
-        <a:font script="Viet" typeface="Times New Roman"/>
-        <a:font script="Uigh" typeface="Microsoft Uighur"/>
-        <a:font script="Geor" typeface="Sylfaen"/>
-      </a:majorFont>
-      <a:minorFont>
-        <a:latin typeface="Arial"/>
-        <a:ea typeface=""/>
-        <a:cs typeface=""/>
-        <a:font script="Jpan" typeface="ＭＳ Ｐゴシック"/>
-        <a:font script="Hang" typeface="맑은 고딕"/>
-        <a:font script="Hans" typeface="宋体"/>
-        <a:font script="Hant" typeface="新細明體"/>
-        <a:font script="Arab" typeface="Arial"/>
-        <a:font script="Hebr" typeface="Arial"/>
-        <a:font script="Thai" typeface="Cordia New"/>
-        <a:font script="Ethi" typeface="Nyala"/>
-        <a:font script="Beng" typeface="Vrinda"/>
-        <a:font script="Gujr" typeface="Shruti"/>
-        <a:font script="Khmr" typeface="DaunPenh"/>
-        <a:font script="Knda" typeface="Tunga"/>
-        <a:font script="Guru" typeface="Raavi"/>
-        <a:font script="Cans" typeface="Euphemia"/>
-        <a:font script="Cher" typeface="Plantagenet Cherokee"/>
-        <a:font script="Yiii" typeface="Microsoft Yi Baiti"/>
-        <a:font script="Tibt" typeface="Microsoft Himalaya"/>
-        <a:font script="Thaa" typeface="MV Boli"/>
-        <a:font script="Deva" typeface="Mangal"/>
-        <a:font script="Telu" typeface="Gautami"/>
-        <a:font script="Taml" typeface="Latha"/>
-        <a:font script="Syrc" typeface="Estrangelo Edessa"/>
-        <a:font script="Orya" typeface="Kalinga"/>
-        <a:font script="Mlym" typeface="Kartika"/>
-        <a:font script="Laoo" typeface="DokChampa"/>
-        <a:font script="Sinh" typeface="Iskoola Pota"/>
-        <a:font script="Mong" typeface="Mongolian Baiti"/>
-        <a:font script="Viet" typeface="Arial"/>
-        <a:font script="Uigh" typeface="Microsoft Uighur"/>
-        <a:font script="Geor" typeface="Sylfaen"/>
-      </a:minorFont>
-    </a:fontScheme>
-    <a:fmtScheme name="Office">
-      <a:fillStyleLst>
-        <a:solidFill>
-          <a:schemeClr val="phClr"/>
-        </a:solidFill>
-        <a:gradFill rotWithShape="1">
-          <a:gsLst>
-            <a:gs pos="0">
-              <a:schemeClr val="phClr">
-                <a:tint val="50000"/>
-                <a:satMod val="300000"/>
-              </a:schemeClr>
-            </a:gs>
-            <a:gs pos="35000">
-              <a:schemeClr val="phClr">
-                <a:tint val="37000"/>
-                <a:satMod val="300000"/>
-              </a:schemeClr>
-            </a:gs>
-            <a:gs pos="100000">
-              <a:schemeClr val="phClr">
-                <a:tint val="15000"/>
-                <a:satMod val="350000"/>
-              </a:schemeClr>
-            </a:gs>
-          </a:gsLst>
-          <a:lin ang="16200000" scaled="1"/>
-        </a:gradFill>
-        <a:gradFill rotWithShape="1">
-          <a:gsLst>
-            <a:gs pos="0">
-              <a:schemeClr val="phClr">
-                <a:tint val="100000"/>
-                <a:shade val="100000"/>
-                <a:satMod val="130000"/>
-              </a:schemeClr>
-            </a:gs>
-            <a:gs pos="100000">
-              <a:schemeClr val="phClr">
-                <a:tint val="50000"/>
-                <a:shade val="100000"/>
-                <a:satMod val="350000"/>
-              </a:schemeClr>
-            </a:gs>
-          </a:gsLst>
-          <a:lin ang="16200000" scaled="0"/>
-        </a:gradFill>
-      </a:fillStyleLst>
-      <a:lnStyleLst>
-        <a:ln w="9525" cap="flat" cmpd="sng" algn="ctr">
-          <a:solidFill>
-            <a:schemeClr val="phClr">
-              <a:shade val="95000"/>
-              <a:satMod val="105000"/>
-            </a:schemeClr>
-          </a:solidFill>
-          <a:prstDash val="solid"/>
-        </a:ln>
-        <a:ln w="25400" cap="flat" cmpd="sng" algn="ctr">
-          <a:solidFill>
-            <a:schemeClr val="phClr"/>
-          </a:solidFill>
-          <a:prstDash val="solid"/>
-        </a:ln>
-        <a:ln w="38100" cap="flat" cmpd="sng" algn="ctr">
-          <a:solidFill>
-            <a:schemeClr val="phClr"/>
-          </a:solidFill>
-          <a:prstDash val="solid"/>
-        </a:ln>
-      </a:lnStyleLst>
-      <a:effectStyleLst>
-        <a:effectStyle>
-          <a:effectLst>
-            <a:outerShdw blurRad="40000" dist="20000" dir="5400000" rotWithShape="0">
-              <a:srgbClr val="000000">
-                <a:alpha val="38000"/>
-              </a:srgbClr>
-            </a:outerShdw>
-          </a:effectLst>
-        </a:effectStyle>
-        <a:effectStyle>
-          <a:effectLst>
-            <a:outerShdw blurRad="40000" dist="23000" dir="5400000" rotWithShape="0">
-              <a:srgbClr val="000000">
-                <a:alpha val="35000"/>
-              </a:srgbClr>
-            </a:outerShdw>
-          </a:effectLst>
-        </a:effectStyle>
-        <a:effectStyle>
-          <a:effectLst>
-            <a:outerShdw blurRad="40000" dist="23000" dir="5400000" rotWithShape="0">
-              <a:srgbClr val="000000">
-                <a:alpha val="35000"/>
-              </a:srgbClr>
-            </a:outerShdw>
-          </a:effectLst>
-          <a:scene3d>
-            <a:camera prst="orthographicFront">
-              <a:rot lat="0" lon="0" rev="0"/>
-            </a:camera>
-            <a:lightRig rig="threePt" dir="t">
-              <a:rot lat="0" lon="0" rev="1200000"/>
-            </a:lightRig>
-          </a:scene3d>
-          <a:sp3d>
-            <a:bevelT w="63500" h="25400"/>
-          </a:sp3d>
-        </a:effectStyle>
-      </a:effectStyleLst>
-      <a:bgFillStyleLst>
-        <a:solidFill>
-          <a:schemeClr val="phClr"/>
-        </a:solidFill>
-        <a:gradFill rotWithShape="1">
-          <a:gsLst>
-            <a:gs pos="0">
-              <a:schemeClr val="phClr">
-                <a:tint val="40000"/>
-                <a:satMod val="350000"/>
-              </a:schemeClr>
-            </a:gs>
-            <a:gs pos="40000">
-              <a:schemeClr val="phClr">
-                <a:tint val="45000"/>
-                <a:shade val="99000"/>
-                <a:satMod val="350000"/>
-              </a:schemeClr>
-            </a:gs>
-            <a:gs pos="100000">
-              <a:schemeClr val="phClr">
-                <a:shade val="20000"/>
-                <a:satMod val="255000"/>
-              </a:schemeClr>
-            </a:gs>
-          </a:gsLst>
-          <a:path path="circle">
-            <a:fillToRect l="50000" t="-80000" r="50000" b="180000"/>
-          </a:path>
-        </a:gradFill>
-        <a:gradFill rotWithShape="1">
-          <a:gsLst>
-            <a:gs pos="0">
-              <a:schemeClr val="phClr">
-                <a:tint val="80000"/>
-                <a:satMod val="300000"/>
-              </a:schemeClr>
-            </a:gs>
-            <a:gs pos="100000">
-              <a:schemeClr val="phClr">
-                <a:shade val="30000"/>
-                <a:satMod val="200000"/>
-              </a:schemeClr>
-            </a:gs>
-          </a:gsLst>
-          <a:path path="circle">
-            <a:fillToRect l="50000" t="50000" r="50000" b="50000"/>
-          </a:path>
-        </a:gradFill>
-      </a:bgFillStyleLst>
-    </a:fmtScheme>
-  </a:themeElements>
-</a:theme>
 </file>